--- a/Accelerate Delaware.pptx
+++ b/Accelerate Delaware.pptx
@@ -6,11 +6,12 @@
   </p:sldMasterIdLst>
   <p:sldIdLst>
     <p:sldId id="256" r:id="rId2"/>
-    <p:sldId id="257" r:id="rId3"/>
-    <p:sldId id="258" r:id="rId4"/>
-    <p:sldId id="259" r:id="rId5"/>
-    <p:sldId id="260" r:id="rId6"/>
-    <p:sldId id="261" r:id="rId7"/>
+    <p:sldId id="262" r:id="rId3"/>
+    <p:sldId id="257" r:id="rId4"/>
+    <p:sldId id="258" r:id="rId5"/>
+    <p:sldId id="259" r:id="rId6"/>
+    <p:sldId id="260" r:id="rId7"/>
+    <p:sldId id="261" r:id="rId8"/>
   </p:sldIdLst>
   <p:sldSz cx="12192000" cy="6858000"/>
   <p:notesSz cx="6858000" cy="9144000"/>
@@ -109,6 +110,11 @@
       </a:defRPr>
     </a:lvl9pPr>
   </p:defaultTextStyle>
+  <p:extLst>
+    <p:ext uri="{EFAFB233-063F-42B5-8137-9DF3F51BA10A}">
+      <p15:sldGuideLst xmlns:p15="http://schemas.microsoft.com/office/powerpoint/2012/main"/>
+    </p:ext>
+  </p:extLst>
 </p:presentation>
 </file>
 
@@ -282,7 +288,7 @@
           <a:p>
             <a:fld id="{48A87A34-81AB-432B-8DAE-1953F412C126}" type="datetimeFigureOut">
               <a:rPr lang="en-US" dirty="0"/>
-              <a:t>10/7/16</a:t>
+              <a:t>10/8/16</a:t>
             </a:fld>
             <a:endParaRPr lang="en-US" dirty="0"/>
           </a:p>
@@ -544,7 +550,7 @@
           <a:p>
             <a:fld id="{48A87A34-81AB-432B-8DAE-1953F412C126}" type="datetimeFigureOut">
               <a:rPr lang="en-US" dirty="0"/>
-              <a:t>10/7/16</a:t>
+              <a:t>10/8/16</a:t>
             </a:fld>
             <a:endParaRPr lang="en-US" dirty="0"/>
           </a:p>
@@ -771,7 +777,7 @@
             <a:fld id="{48A87A34-81AB-432B-8DAE-1953F412C126}" type="datetimeFigureOut">
               <a:rPr lang="en-US" dirty="0"/>
               <a:pPr/>
-              <a:t>10/7/16</a:t>
+              <a:t>10/8/16</a:t>
             </a:fld>
             <a:endParaRPr lang="en-US" dirty="0"/>
           </a:p>
@@ -1077,7 +1083,7 @@
             <a:fld id="{48A87A34-81AB-432B-8DAE-1953F412C126}" type="datetimeFigureOut">
               <a:rPr lang="en-US" dirty="0"/>
               <a:pPr/>
-              <a:t>10/7/16</a:t>
+              <a:t>10/8/16</a:t>
             </a:fld>
             <a:endParaRPr lang="en-US" dirty="0"/>
           </a:p>
@@ -1546,7 +1552,7 @@
             <a:fld id="{48A87A34-81AB-432B-8DAE-1953F412C126}" type="datetimeFigureOut">
               <a:rPr lang="en-US" dirty="0"/>
               <a:pPr/>
-              <a:t>10/7/16</a:t>
+              <a:t>10/8/16</a:t>
             </a:fld>
             <a:endParaRPr lang="en-US" dirty="0"/>
           </a:p>
@@ -2088,7 +2094,7 @@
           <a:p>
             <a:fld id="{48A87A34-81AB-432B-8DAE-1953F412C126}" type="datetimeFigureOut">
               <a:rPr lang="en-US" dirty="0"/>
-              <a:t>10/7/16</a:t>
+              <a:t>10/8/16</a:t>
             </a:fld>
             <a:endParaRPr lang="en-US" dirty="0"/>
           </a:p>
@@ -2857,7 +2863,7 @@
           <a:p>
             <a:fld id="{48A87A34-81AB-432B-8DAE-1953F412C126}" type="datetimeFigureOut">
               <a:rPr lang="en-US" dirty="0"/>
-              <a:t>10/7/16</a:t>
+              <a:t>10/8/16</a:t>
             </a:fld>
             <a:endParaRPr lang="en-US" dirty="0"/>
           </a:p>
@@ -3027,7 +3033,7 @@
           <a:p>
             <a:fld id="{48A87A34-81AB-432B-8DAE-1953F412C126}" type="datetimeFigureOut">
               <a:rPr lang="en-US" dirty="0"/>
-              <a:t>10/7/16</a:t>
+              <a:t>10/8/16</a:t>
             </a:fld>
             <a:endParaRPr lang="en-US" dirty="0"/>
           </a:p>
@@ -3246,7 +3252,7 @@
             <a:fld id="{48A87A34-81AB-432B-8DAE-1953F412C126}" type="datetimeFigureOut">
               <a:rPr lang="en-US" dirty="0"/>
               <a:pPr/>
-              <a:t>10/7/16</a:t>
+              <a:t>10/8/16</a:t>
             </a:fld>
             <a:endParaRPr lang="en-US" dirty="0"/>
           </a:p>
@@ -3421,7 +3427,7 @@
           <a:p>
             <a:fld id="{48A87A34-81AB-432B-8DAE-1953F412C126}" type="datetimeFigureOut">
               <a:rPr lang="en-US" dirty="0"/>
-              <a:t>10/7/16</a:t>
+              <a:t>10/8/16</a:t>
             </a:fld>
             <a:endParaRPr lang="en-US" dirty="0"/>
           </a:p>
@@ -3706,7 +3712,7 @@
             <a:fld id="{48A87A34-81AB-432B-8DAE-1953F412C126}" type="datetimeFigureOut">
               <a:rPr lang="en-US" dirty="0"/>
               <a:pPr/>
-              <a:t>10/7/16</a:t>
+              <a:t>10/8/16</a:t>
             </a:fld>
             <a:endParaRPr lang="en-US" dirty="0"/>
           </a:p>
@@ -3943,7 +3949,7 @@
           <a:p>
             <a:fld id="{48A87A34-81AB-432B-8DAE-1953F412C126}" type="datetimeFigureOut">
               <a:rPr lang="en-US" dirty="0"/>
-              <a:t>10/7/16</a:t>
+              <a:t>10/8/16</a:t>
             </a:fld>
             <a:endParaRPr lang="en-US" dirty="0"/>
           </a:p>
@@ -4317,7 +4323,7 @@
           <a:p>
             <a:fld id="{48A87A34-81AB-432B-8DAE-1953F412C126}" type="datetimeFigureOut">
               <a:rPr lang="en-US" dirty="0"/>
-              <a:t>10/7/16</a:t>
+              <a:t>10/8/16</a:t>
             </a:fld>
             <a:endParaRPr lang="en-US" dirty="0"/>
           </a:p>
@@ -4430,7 +4436,7 @@
           <a:p>
             <a:fld id="{48A87A34-81AB-432B-8DAE-1953F412C126}" type="datetimeFigureOut">
               <a:rPr lang="en-US" dirty="0"/>
-              <a:t>10/7/16</a:t>
+              <a:t>10/8/16</a:t>
             </a:fld>
             <a:endParaRPr lang="en-US" dirty="0"/>
           </a:p>
@@ -4520,7 +4526,7 @@
           <a:p>
             <a:fld id="{48A87A34-81AB-432B-8DAE-1953F412C126}" type="datetimeFigureOut">
               <a:rPr lang="en-US" dirty="0"/>
-              <a:t>10/7/16</a:t>
+              <a:t>10/8/16</a:t>
             </a:fld>
             <a:endParaRPr lang="en-US" dirty="0"/>
           </a:p>
@@ -4764,7 +4770,7 @@
           <a:p>
             <a:fld id="{48A87A34-81AB-432B-8DAE-1953F412C126}" type="datetimeFigureOut">
               <a:rPr lang="en-US" dirty="0"/>
-              <a:t>10/7/16</a:t>
+              <a:t>10/8/16</a:t>
             </a:fld>
             <a:endParaRPr lang="en-US" dirty="0"/>
           </a:p>
@@ -5016,7 +5022,7 @@
           <a:p>
             <a:fld id="{48A87A34-81AB-432B-8DAE-1953F412C126}" type="datetimeFigureOut">
               <a:rPr lang="en-US" dirty="0"/>
-              <a:t>10/7/16</a:t>
+              <a:t>10/8/16</a:t>
             </a:fld>
             <a:endParaRPr lang="en-US" dirty="0"/>
           </a:p>
@@ -5255,7 +5261,7 @@
             <a:fld id="{48A87A34-81AB-432B-8DAE-1953F412C126}" type="datetimeFigureOut">
               <a:rPr lang="en-US" dirty="0"/>
               <a:pPr/>
-              <a:t>10/7/16</a:t>
+              <a:t>10/8/16</a:t>
             </a:fld>
             <a:endParaRPr lang="en-US" dirty="0"/>
           </a:p>
@@ -5755,7 +5761,7 @@
           <a:p>
             <a:r>
               <a:rPr lang="en-US" dirty="0" smtClean="0"/>
-              <a:t>Beginning Ideas</a:t>
+              <a:t>goals</a:t>
             </a:r>
             <a:endParaRPr lang="en-US" dirty="0"/>
           </a:p>
@@ -5778,51 +5784,38 @@
           <a:p>
             <a:r>
               <a:rPr lang="en-US" dirty="0" smtClean="0"/>
-              <a:t>Profile interface (company and personal)</a:t>
-            </a:r>
-          </a:p>
-          <a:p>
+              <a:t>Create a social media platform tailored towards connecting young millennials with professionals</a:t>
+            </a:r>
+          </a:p>
+          <a:p>
+            <a:pPr lvl="1"/>
             <a:r>
               <a:rPr lang="en-US" dirty="0" smtClean="0"/>
-              <a:t>Location services; zip code</a:t>
+              <a:t>Profile for individuals</a:t>
             </a:r>
           </a:p>
           <a:p>
             <a:r>
               <a:rPr lang="en-US" dirty="0" smtClean="0"/>
-              <a:t>Networking and social media </a:t>
-            </a:r>
-          </a:p>
-          <a:p>
+              <a:t>Create social connections through organizations, restaurants, parks, etc. that hold events</a:t>
+            </a:r>
+          </a:p>
+          <a:p>
+            <a:pPr lvl="1"/>
             <a:r>
               <a:rPr lang="en-US" dirty="0" smtClean="0"/>
-              <a:t>Calendar of events </a:t>
-            </a:r>
-          </a:p>
-          <a:p>
-            <a:r>
-              <a:rPr lang="en-US" dirty="0" smtClean="0"/>
-              <a:t>Invites </a:t>
-            </a:r>
-          </a:p>
-          <a:p>
-            <a:r>
-              <a:rPr lang="en-US" dirty="0" smtClean="0"/>
-              <a:t>Promotions and saved offers</a:t>
-            </a:r>
-          </a:p>
-          <a:p>
-            <a:r>
-              <a:rPr lang="en-US" dirty="0" smtClean="0"/>
-              <a:t>Point system</a:t>
-            </a:r>
+              <a:t>Profile for event organizations</a:t>
+            </a:r>
+          </a:p>
+          <a:p>
+            <a:endParaRPr lang="en-US" dirty="0" smtClean="0"/>
           </a:p>
         </p:txBody>
       </p:sp>
     </p:spTree>
     <p:extLst>
       <p:ext uri="{BB962C8B-B14F-4D97-AF65-F5344CB8AC3E}">
-        <p14:creationId xmlns:p14="http://schemas.microsoft.com/office/powerpoint/2010/main" val="1113138851"/>
+        <p14:creationId xmlns:p14="http://schemas.microsoft.com/office/powerpoint/2010/main" val="2130532652"/>
       </p:ext>
     </p:extLst>
   </p:cSld>
@@ -5859,19 +5852,14 @@
             <p:ph type="title"/>
           </p:nvPr>
         </p:nvSpPr>
-        <p:spPr>
-          <a:xfrm>
-            <a:off x="5929313" y="442912"/>
-            <a:ext cx="5514976" cy="1628776"/>
-          </a:xfrm>
-        </p:spPr>
+        <p:spPr/>
         <p:txBody>
           <a:bodyPr/>
           <a:lstStyle/>
           <a:p>
             <a:r>
               <a:rPr lang="en-US" dirty="0" smtClean="0"/>
-              <a:t>Welcome Screen </a:t>
+              <a:t>Profile interface</a:t>
             </a:r>
             <a:endParaRPr lang="en-US" dirty="0"/>
           </a:p>
@@ -5887,70 +5875,53 @@
             <p:ph idx="1"/>
           </p:nvPr>
         </p:nvSpPr>
-        <p:spPr>
-          <a:xfrm>
-            <a:off x="5929313" y="2436338"/>
-            <a:ext cx="5248275" cy="1951843"/>
-          </a:xfrm>
-        </p:spPr>
+        <p:spPr/>
         <p:txBody>
           <a:bodyPr/>
           <a:lstStyle/>
           <a:p>
             <a:r>
               <a:rPr lang="en-US" dirty="0" smtClean="0"/>
-              <a:t>Logo </a:t>
-            </a:r>
+              <a:t>Location services (GPS)</a:t>
+            </a:r>
+            <a:endParaRPr lang="en-US" dirty="0" smtClean="0"/>
           </a:p>
           <a:p>
             <a:r>
               <a:rPr lang="en-US" dirty="0" smtClean="0"/>
-              <a:t>Login </a:t>
+              <a:t>Networking and social media </a:t>
             </a:r>
           </a:p>
           <a:p>
             <a:r>
               <a:rPr lang="en-US" dirty="0" smtClean="0"/>
-              <a:t>About </a:t>
-            </a:r>
-            <a:endParaRPr lang="en-US" dirty="0"/>
-          </a:p>
-        </p:txBody>
-      </p:sp>
-      <p:pic>
-        <p:nvPicPr>
-          <p:cNvPr id="4" name="Picture 3"/>
-          <p:cNvPicPr>
-            <a:picLocks noChangeAspect="1"/>
-          </p:cNvPicPr>
-          <p:nvPr/>
-        </p:nvPicPr>
-        <p:blipFill>
-          <a:blip r:embed="rId2">
-            <a:extLst>
-              <a:ext uri="{28A0092B-C50C-407E-A947-70E740481C1C}">
-                <a14:useLocalDpi xmlns:a14="http://schemas.microsoft.com/office/drawing/2010/main" val="0"/>
-              </a:ext>
-            </a:extLst>
-          </a:blip>
-          <a:stretch>
-            <a:fillRect/>
-          </a:stretch>
-        </p:blipFill>
-        <p:spPr>
-          <a:xfrm>
-            <a:off x="128589" y="115782"/>
-            <a:ext cx="5272087" cy="6592956"/>
-          </a:xfrm>
-          <a:prstGeom prst="rect">
-            <a:avLst/>
-          </a:prstGeom>
-        </p:spPr>
-      </p:pic>
+              <a:t>Calendar of events </a:t>
+            </a:r>
+          </a:p>
+          <a:p>
+            <a:r>
+              <a:rPr lang="en-US" dirty="0" smtClean="0"/>
+              <a:t>Invites </a:t>
+            </a:r>
+          </a:p>
+          <a:p>
+            <a:r>
+              <a:rPr lang="en-US" dirty="0" smtClean="0"/>
+              <a:t>Promotions and saved offers</a:t>
+            </a:r>
+          </a:p>
+          <a:p>
+            <a:r>
+              <a:rPr lang="en-US" dirty="0" smtClean="0"/>
+              <a:t>Point system</a:t>
+            </a:r>
+          </a:p>
+        </p:txBody>
+      </p:sp>
     </p:spTree>
     <p:extLst>
       <p:ext uri="{BB962C8B-B14F-4D97-AF65-F5344CB8AC3E}">
-        <p14:creationId xmlns:p14="http://schemas.microsoft.com/office/powerpoint/2010/main" val="1387635145"/>
+        <p14:creationId xmlns:p14="http://schemas.microsoft.com/office/powerpoint/2010/main" val="1113138851"/>
       </p:ext>
     </p:extLst>
   </p:cSld>
@@ -5989,8 +5960,8 @@
         </p:nvSpPr>
         <p:spPr>
           <a:xfrm>
-            <a:off x="-214313" y="4330533"/>
-            <a:ext cx="4062412" cy="1293028"/>
+            <a:off x="5929313" y="442912"/>
+            <a:ext cx="5514976" cy="1628776"/>
           </a:xfrm>
         </p:spPr>
         <p:txBody>
@@ -5999,7 +5970,7 @@
           <a:p>
             <a:r>
               <a:rPr lang="en-US" dirty="0" smtClean="0"/>
-              <a:t>Login Screen</a:t>
+              <a:t>Welcome Screen </a:t>
             </a:r>
             <a:endParaRPr lang="en-US" dirty="0"/>
           </a:p>
@@ -6017,8 +5988,8 @@
         </p:nvSpPr>
         <p:spPr>
           <a:xfrm>
-            <a:off x="185737" y="5623561"/>
-            <a:ext cx="6429375" cy="1062990"/>
+            <a:off x="5929313" y="2436338"/>
+            <a:ext cx="5248275" cy="1951843"/>
           </a:xfrm>
         </p:spPr>
         <p:txBody>
@@ -6027,27 +5998,20 @@
           <a:p>
             <a:r>
               <a:rPr lang="en-US" dirty="0" smtClean="0"/>
-              <a:t>Create account</a:t>
+              <a:t>Logo </a:t>
             </a:r>
           </a:p>
           <a:p>
             <a:r>
               <a:rPr lang="en-US" dirty="0" smtClean="0"/>
-              <a:t>Sign in with </a:t>
-            </a:r>
-            <a:r>
-              <a:rPr lang="en-US" dirty="0" err="1" smtClean="0"/>
-              <a:t>facebook</a:t>
-            </a:r>
+              <a:t>Login </a:t>
+            </a:r>
+          </a:p>
+          <a:p>
             <a:r>
               <a:rPr lang="en-US" dirty="0" smtClean="0"/>
-              <a:t>/other social media</a:t>
-            </a:r>
-          </a:p>
-          <a:p>
-            <a:endParaRPr lang="en-US" dirty="0" smtClean="0"/>
-          </a:p>
-          <a:p>
+              <a:t>About </a:t>
+            </a:r>
             <a:endParaRPr lang="en-US" dirty="0"/>
           </a:p>
         </p:txBody>
@@ -6074,8 +6038,8 @@
         </p:blipFill>
         <p:spPr>
           <a:xfrm>
-            <a:off x="4248149" y="1955256"/>
-            <a:ext cx="7796582" cy="3821182"/>
+            <a:off x="128589" y="115782"/>
+            <a:ext cx="5272087" cy="6592956"/>
           </a:xfrm>
           <a:prstGeom prst="rect">
             <a:avLst/>
@@ -6085,7 +6049,7 @@
     </p:spTree>
     <p:extLst>
       <p:ext uri="{BB962C8B-B14F-4D97-AF65-F5344CB8AC3E}">
-        <p14:creationId xmlns:p14="http://schemas.microsoft.com/office/powerpoint/2010/main" val="1621851140"/>
+        <p14:creationId xmlns:p14="http://schemas.microsoft.com/office/powerpoint/2010/main" val="1387635145"/>
       </p:ext>
     </p:extLst>
   </p:cSld>
@@ -6124,6 +6088,141 @@
         </p:nvSpPr>
         <p:spPr>
           <a:xfrm>
+            <a:off x="-214313" y="4330533"/>
+            <a:ext cx="4062412" cy="1293028"/>
+          </a:xfrm>
+        </p:spPr>
+        <p:txBody>
+          <a:bodyPr/>
+          <a:lstStyle/>
+          <a:p>
+            <a:r>
+              <a:rPr lang="en-US" dirty="0" smtClean="0"/>
+              <a:t>Login Screen</a:t>
+            </a:r>
+            <a:endParaRPr lang="en-US" dirty="0"/>
+          </a:p>
+        </p:txBody>
+      </p:sp>
+      <p:sp>
+        <p:nvSpPr>
+          <p:cNvPr id="3" name="Content Placeholder 2"/>
+          <p:cNvSpPr>
+            <a:spLocks noGrp="1"/>
+          </p:cNvSpPr>
+          <p:nvPr>
+            <p:ph idx="1"/>
+          </p:nvPr>
+        </p:nvSpPr>
+        <p:spPr>
+          <a:xfrm>
+            <a:off x="185737" y="5623561"/>
+            <a:ext cx="6429375" cy="1062990"/>
+          </a:xfrm>
+        </p:spPr>
+        <p:txBody>
+          <a:bodyPr/>
+          <a:lstStyle/>
+          <a:p>
+            <a:r>
+              <a:rPr lang="en-US" dirty="0" smtClean="0"/>
+              <a:t>Create account</a:t>
+            </a:r>
+          </a:p>
+          <a:p>
+            <a:r>
+              <a:rPr lang="en-US" dirty="0" smtClean="0"/>
+              <a:t>Sign in with </a:t>
+            </a:r>
+            <a:r>
+              <a:rPr lang="en-US" dirty="0" err="1" smtClean="0"/>
+              <a:t>facebook</a:t>
+            </a:r>
+            <a:r>
+              <a:rPr lang="en-US" dirty="0" smtClean="0"/>
+              <a:t>/other social media</a:t>
+            </a:r>
+          </a:p>
+          <a:p>
+            <a:endParaRPr lang="en-US" dirty="0" smtClean="0"/>
+          </a:p>
+          <a:p>
+            <a:endParaRPr lang="en-US" dirty="0"/>
+          </a:p>
+        </p:txBody>
+      </p:sp>
+      <p:pic>
+        <p:nvPicPr>
+          <p:cNvPr id="4" name="Picture 3"/>
+          <p:cNvPicPr>
+            <a:picLocks noChangeAspect="1"/>
+          </p:cNvPicPr>
+          <p:nvPr/>
+        </p:nvPicPr>
+        <p:blipFill>
+          <a:blip r:embed="rId2">
+            <a:extLst>
+              <a:ext uri="{28A0092B-C50C-407E-A947-70E740481C1C}">
+                <a14:useLocalDpi xmlns:a14="http://schemas.microsoft.com/office/drawing/2010/main" val="0"/>
+              </a:ext>
+            </a:extLst>
+          </a:blip>
+          <a:stretch>
+            <a:fillRect/>
+          </a:stretch>
+        </p:blipFill>
+        <p:spPr>
+          <a:xfrm>
+            <a:off x="4248149" y="1955256"/>
+            <a:ext cx="7796582" cy="3821182"/>
+          </a:xfrm>
+          <a:prstGeom prst="rect">
+            <a:avLst/>
+          </a:prstGeom>
+        </p:spPr>
+      </p:pic>
+    </p:spTree>
+    <p:extLst>
+      <p:ext uri="{BB962C8B-B14F-4D97-AF65-F5344CB8AC3E}">
+        <p14:creationId xmlns:p14="http://schemas.microsoft.com/office/powerpoint/2010/main" val="1621851140"/>
+      </p:ext>
+    </p:extLst>
+  </p:cSld>
+  <p:clrMapOvr>
+    <a:masterClrMapping/>
+  </p:clrMapOvr>
+</p:sld>
+</file>
+
+<file path=ppt/slides/slide6.xml><?xml version="1.0" encoding="utf-8"?>
+<p:sld xmlns:a="http://schemas.openxmlformats.org/drawingml/2006/main" xmlns:r="http://schemas.openxmlformats.org/officeDocument/2006/relationships" xmlns:p="http://schemas.openxmlformats.org/presentationml/2006/main">
+  <p:cSld>
+    <p:spTree>
+      <p:nvGrpSpPr>
+        <p:cNvPr id="1" name=""/>
+        <p:cNvGrpSpPr/>
+        <p:nvPr/>
+      </p:nvGrpSpPr>
+      <p:grpSpPr>
+        <a:xfrm>
+          <a:off x="0" y="0"/>
+          <a:ext cx="0" cy="0"/>
+          <a:chOff x="0" y="0"/>
+          <a:chExt cx="0" cy="0"/>
+        </a:xfrm>
+      </p:grpSpPr>
+      <p:sp>
+        <p:nvSpPr>
+          <p:cNvPr id="2" name="Title 1"/>
+          <p:cNvSpPr>
+            <a:spLocks noGrp="1"/>
+          </p:cNvSpPr>
+          <p:nvPr>
+            <p:ph type="title"/>
+          </p:nvPr>
+        </p:nvSpPr>
+        <p:spPr>
+          <a:xfrm>
             <a:off x="142875" y="5314232"/>
             <a:ext cx="4714874" cy="1293028"/>
           </a:xfrm>
@@ -6219,7 +6318,7 @@
 </p:sld>
 </file>
 
-<file path=ppt/slides/slide6.xml><?xml version="1.0" encoding="utf-8"?>
+<file path=ppt/slides/slide7.xml><?xml version="1.0" encoding="utf-8"?>
 <p:sld xmlns:a="http://schemas.openxmlformats.org/drawingml/2006/main" xmlns:r="http://schemas.openxmlformats.org/officeDocument/2006/relationships" xmlns:p="http://schemas.openxmlformats.org/presentationml/2006/main">
   <p:cSld>
     <p:spTree>

--- a/Accelerate Delaware.pptx
+++ b/Accelerate Delaware.pptx
@@ -6088,7 +6088,7 @@
         </p:nvSpPr>
         <p:spPr>
           <a:xfrm>
-            <a:off x="-214313" y="4330533"/>
+            <a:off x="7362144" y="577929"/>
             <a:ext cx="4062412" cy="1293028"/>
           </a:xfrm>
         </p:spPr>
@@ -6116,8 +6116,8 @@
         </p:nvSpPr>
         <p:spPr>
           <a:xfrm>
-            <a:off x="185737" y="5623561"/>
-            <a:ext cx="6429375" cy="1062990"/>
+            <a:off x="541997" y="2121511"/>
+            <a:ext cx="3851873" cy="2141731"/>
           </a:xfrm>
         </p:spPr>
         <p:txBody>
@@ -6135,12 +6135,16 @@
               <a:t>Sign in with </a:t>
             </a:r>
             <a:r>
-              <a:rPr lang="en-US" dirty="0" err="1" smtClean="0"/>
-              <a:t>facebook</a:t>
-            </a:r>
-            <a:r>
               <a:rPr lang="en-US" dirty="0" smtClean="0"/>
-              <a:t>/other social media</a:t>
+              <a:t>F</a:t>
+            </a:r>
+            <a:r>
+              <a:rPr lang="en-US" dirty="0" smtClean="0"/>
+              <a:t>acebook and/or other </a:t>
+            </a:r>
+            <a:r>
+              <a:rPr lang="en-US" dirty="0" smtClean="0"/>
+              <a:t>social media</a:t>
             </a:r>
           </a:p>
           <a:p>
@@ -6223,7 +6227,7 @@
         </p:nvSpPr>
         <p:spPr>
           <a:xfrm>
-            <a:off x="142875" y="5314232"/>
+            <a:off x="6757429" y="581002"/>
             <a:ext cx="4714874" cy="1293028"/>
           </a:xfrm>
         </p:spPr>
@@ -6251,7 +6255,7 @@
         </p:nvSpPr>
         <p:spPr>
           <a:xfrm>
-            <a:off x="6315076" y="5687145"/>
+            <a:off x="8440759" y="2231426"/>
             <a:ext cx="3300413" cy="920115"/>
           </a:xfrm>
         </p:spPr>
@@ -6297,7 +6301,7 @@
         </p:blipFill>
         <p:spPr>
           <a:xfrm>
-            <a:off x="2566212" y="1178795"/>
+            <a:off x="618659" y="1874030"/>
             <a:ext cx="7497727" cy="4135437"/>
           </a:xfrm>
           <a:prstGeom prst="rect">

--- a/Accelerate Delaware.pptx
+++ b/Accelerate Delaware.pptx
@@ -6351,7 +6351,7 @@
         </p:nvSpPr>
         <p:spPr>
           <a:xfrm>
-            <a:off x="200025" y="3807610"/>
+            <a:off x="9031453" y="601272"/>
             <a:ext cx="2388393" cy="1293028"/>
           </a:xfrm>
         </p:spPr>
@@ -6379,7 +6379,7 @@
         </p:nvSpPr>
         <p:spPr>
           <a:xfrm>
-            <a:off x="200025" y="5723574"/>
+            <a:off x="675038" y="2612239"/>
             <a:ext cx="3586163" cy="991552"/>
           </a:xfrm>
         </p:spPr>
@@ -6423,8 +6423,8 @@
         </p:blipFill>
         <p:spPr>
           <a:xfrm>
-            <a:off x="5986463" y="187481"/>
-            <a:ext cx="5139955" cy="6670519"/>
+            <a:off x="4261201" y="1007768"/>
+            <a:ext cx="4287987" cy="5564854"/>
           </a:xfrm>
           <a:prstGeom prst="rect">
             <a:avLst/>

--- a/Accelerate Delaware.pptx
+++ b/Accelerate Delaware.pptx
@@ -9,9 +9,10 @@
     <p:sldId id="262" r:id="rId3"/>
     <p:sldId id="257" r:id="rId4"/>
     <p:sldId id="258" r:id="rId5"/>
-    <p:sldId id="259" r:id="rId6"/>
-    <p:sldId id="260" r:id="rId7"/>
-    <p:sldId id="261" r:id="rId8"/>
+    <p:sldId id="263" r:id="rId6"/>
+    <p:sldId id="259" r:id="rId7"/>
+    <p:sldId id="260" r:id="rId8"/>
+    <p:sldId id="261" r:id="rId9"/>
   </p:sldIdLst>
   <p:sldSz cx="12192000" cy="6858000"/>
   <p:notesSz cx="6858000" cy="9144000"/>
@@ -6086,78 +6087,22 @@
             <p:ph type="title"/>
           </p:nvPr>
         </p:nvSpPr>
-        <p:spPr>
-          <a:xfrm>
-            <a:off x="7362144" y="577929"/>
-            <a:ext cx="4062412" cy="1293028"/>
-          </a:xfrm>
-        </p:spPr>
+        <p:spPr/>
         <p:txBody>
           <a:bodyPr/>
           <a:lstStyle/>
           <a:p>
             <a:r>
               <a:rPr lang="en-US" dirty="0" smtClean="0"/>
-              <a:t>Login Screen</a:t>
-            </a:r>
-            <a:endParaRPr lang="en-US" dirty="0"/>
-          </a:p>
-        </p:txBody>
-      </p:sp>
-      <p:sp>
-        <p:nvSpPr>
-          <p:cNvPr id="3" name="Content Placeholder 2"/>
-          <p:cNvSpPr>
-            <a:spLocks noGrp="1"/>
-          </p:cNvSpPr>
-          <p:nvPr>
-            <p:ph idx="1"/>
-          </p:nvPr>
-        </p:nvSpPr>
-        <p:spPr>
-          <a:xfrm>
-            <a:off x="541997" y="2121511"/>
-            <a:ext cx="3851873" cy="2141731"/>
-          </a:xfrm>
-        </p:spPr>
-        <p:txBody>
-          <a:bodyPr/>
-          <a:lstStyle/>
-          <a:p>
-            <a:r>
-              <a:rPr lang="en-US" dirty="0" smtClean="0"/>
-              <a:t>Create account</a:t>
-            </a:r>
-          </a:p>
-          <a:p>
-            <a:r>
-              <a:rPr lang="en-US" dirty="0" smtClean="0"/>
-              <a:t>Sign in with </a:t>
-            </a:r>
-            <a:r>
-              <a:rPr lang="en-US" dirty="0" smtClean="0"/>
-              <a:t>F</a:t>
-            </a:r>
-            <a:r>
-              <a:rPr lang="en-US" dirty="0" smtClean="0"/>
-              <a:t>acebook and/or other </a:t>
-            </a:r>
-            <a:r>
-              <a:rPr lang="en-US" dirty="0" smtClean="0"/>
-              <a:t>social media</a:t>
-            </a:r>
-          </a:p>
-          <a:p>
-            <a:endParaRPr lang="en-US" dirty="0" smtClean="0"/>
-          </a:p>
-          <a:p>
+              <a:t>Registration Screen</a:t>
+            </a:r>
             <a:endParaRPr lang="en-US" dirty="0"/>
           </a:p>
         </p:txBody>
       </p:sp>
       <p:pic>
         <p:nvPicPr>
-          <p:cNvPr id="4" name="Picture 3"/>
+          <p:cNvPr id="5" name="Picture 4"/>
           <p:cNvPicPr>
             <a:picLocks noChangeAspect="1"/>
           </p:cNvPicPr>
@@ -6177,18 +6122,59 @@
         </p:blipFill>
         <p:spPr>
           <a:xfrm>
-            <a:off x="4248149" y="1955256"/>
-            <a:ext cx="7796582" cy="3821182"/>
+            <a:off x="4500747" y="2057401"/>
+            <a:ext cx="7137565" cy="3623351"/>
           </a:xfrm>
           <a:prstGeom prst="rect">
             <a:avLst/>
           </a:prstGeom>
         </p:spPr>
       </p:pic>
+      <p:sp>
+        <p:nvSpPr>
+          <p:cNvPr id="6" name="Content Placeholder 2"/>
+          <p:cNvSpPr>
+            <a:spLocks noGrp="1"/>
+          </p:cNvSpPr>
+          <p:nvPr>
+            <p:ph idx="1"/>
+          </p:nvPr>
+        </p:nvSpPr>
+        <p:spPr>
+          <a:xfrm>
+            <a:off x="541997" y="2121511"/>
+            <a:ext cx="3851873" cy="2141731"/>
+          </a:xfrm>
+        </p:spPr>
+        <p:txBody>
+          <a:bodyPr/>
+          <a:lstStyle/>
+          <a:p>
+            <a:r>
+              <a:rPr lang="en-US" dirty="0" smtClean="0"/>
+              <a:t>Register account</a:t>
+            </a:r>
+            <a:endParaRPr lang="en-US" dirty="0" smtClean="0"/>
+          </a:p>
+          <a:p>
+            <a:r>
+              <a:rPr lang="en-US" dirty="0" smtClean="0"/>
+              <a:t>Store in users file</a:t>
+            </a:r>
+            <a:endParaRPr lang="en-US" dirty="0" smtClean="0"/>
+          </a:p>
+          <a:p>
+            <a:endParaRPr lang="en-US" dirty="0" smtClean="0"/>
+          </a:p>
+          <a:p>
+            <a:endParaRPr lang="en-US" dirty="0"/>
+          </a:p>
+        </p:txBody>
+      </p:sp>
     </p:spTree>
     <p:extLst>
       <p:ext uri="{BB962C8B-B14F-4D97-AF65-F5344CB8AC3E}">
-        <p14:creationId xmlns:p14="http://schemas.microsoft.com/office/powerpoint/2010/main" val="1621851140"/>
+        <p14:creationId xmlns:p14="http://schemas.microsoft.com/office/powerpoint/2010/main" val="1788224378"/>
       </p:ext>
     </p:extLst>
   </p:cSld>
@@ -6227,6 +6213,150 @@
         </p:nvSpPr>
         <p:spPr>
           <a:xfrm>
+            <a:off x="7362144" y="577929"/>
+            <a:ext cx="4062412" cy="1293028"/>
+          </a:xfrm>
+        </p:spPr>
+        <p:txBody>
+          <a:bodyPr/>
+          <a:lstStyle/>
+          <a:p>
+            <a:r>
+              <a:rPr lang="en-US" dirty="0" smtClean="0"/>
+              <a:t>Login Screen</a:t>
+            </a:r>
+            <a:endParaRPr lang="en-US" dirty="0"/>
+          </a:p>
+        </p:txBody>
+      </p:sp>
+      <p:sp>
+        <p:nvSpPr>
+          <p:cNvPr id="3" name="Content Placeholder 2"/>
+          <p:cNvSpPr>
+            <a:spLocks noGrp="1"/>
+          </p:cNvSpPr>
+          <p:nvPr>
+            <p:ph idx="1"/>
+          </p:nvPr>
+        </p:nvSpPr>
+        <p:spPr>
+          <a:xfrm>
+            <a:off x="541997" y="2121511"/>
+            <a:ext cx="3851873" cy="2141731"/>
+          </a:xfrm>
+        </p:spPr>
+        <p:txBody>
+          <a:bodyPr/>
+          <a:lstStyle/>
+          <a:p>
+            <a:r>
+              <a:rPr lang="en-US" dirty="0" smtClean="0"/>
+              <a:t>Log into </a:t>
+            </a:r>
+            <a:r>
+              <a:rPr lang="en-US" dirty="0" smtClean="0"/>
+              <a:t>account</a:t>
+            </a:r>
+            <a:endParaRPr lang="en-US" dirty="0" smtClean="0"/>
+          </a:p>
+          <a:p>
+            <a:r>
+              <a:rPr lang="en-US" dirty="0" smtClean="0"/>
+              <a:t>Sign in with </a:t>
+            </a:r>
+            <a:r>
+              <a:rPr lang="en-US" dirty="0" smtClean="0"/>
+              <a:t>F</a:t>
+            </a:r>
+            <a:r>
+              <a:rPr lang="en-US" dirty="0" smtClean="0"/>
+              <a:t>acebook and/or other </a:t>
+            </a:r>
+            <a:r>
+              <a:rPr lang="en-US" dirty="0" smtClean="0"/>
+              <a:t>social media</a:t>
+            </a:r>
+          </a:p>
+          <a:p>
+            <a:endParaRPr lang="en-US" dirty="0" smtClean="0"/>
+          </a:p>
+          <a:p>
+            <a:endParaRPr lang="en-US" dirty="0"/>
+          </a:p>
+        </p:txBody>
+      </p:sp>
+      <p:pic>
+        <p:nvPicPr>
+          <p:cNvPr id="4" name="Picture 3"/>
+          <p:cNvPicPr>
+            <a:picLocks noChangeAspect="1"/>
+          </p:cNvPicPr>
+          <p:nvPr/>
+        </p:nvPicPr>
+        <p:blipFill>
+          <a:blip r:embed="rId2">
+            <a:extLst>
+              <a:ext uri="{28A0092B-C50C-407E-A947-70E740481C1C}">
+                <a14:useLocalDpi xmlns:a14="http://schemas.microsoft.com/office/drawing/2010/main" val="0"/>
+              </a:ext>
+            </a:extLst>
+          </a:blip>
+          <a:stretch>
+            <a:fillRect/>
+          </a:stretch>
+        </p:blipFill>
+        <p:spPr>
+          <a:xfrm>
+            <a:off x="4058144" y="1870957"/>
+            <a:ext cx="7796582" cy="3821182"/>
+          </a:xfrm>
+          <a:prstGeom prst="rect">
+            <a:avLst/>
+          </a:prstGeom>
+        </p:spPr>
+      </p:pic>
+    </p:spTree>
+    <p:extLst>
+      <p:ext uri="{BB962C8B-B14F-4D97-AF65-F5344CB8AC3E}">
+        <p14:creationId xmlns:p14="http://schemas.microsoft.com/office/powerpoint/2010/main" val="1621851140"/>
+      </p:ext>
+    </p:extLst>
+  </p:cSld>
+  <p:clrMapOvr>
+    <a:masterClrMapping/>
+  </p:clrMapOvr>
+</p:sld>
+</file>
+
+<file path=ppt/slides/slide7.xml><?xml version="1.0" encoding="utf-8"?>
+<p:sld xmlns:a="http://schemas.openxmlformats.org/drawingml/2006/main" xmlns:r="http://schemas.openxmlformats.org/officeDocument/2006/relationships" xmlns:p="http://schemas.openxmlformats.org/presentationml/2006/main">
+  <p:cSld>
+    <p:spTree>
+      <p:nvGrpSpPr>
+        <p:cNvPr id="1" name=""/>
+        <p:cNvGrpSpPr/>
+        <p:nvPr/>
+      </p:nvGrpSpPr>
+      <p:grpSpPr>
+        <a:xfrm>
+          <a:off x="0" y="0"/>
+          <a:ext cx="0" cy="0"/>
+          <a:chOff x="0" y="0"/>
+          <a:chExt cx="0" cy="0"/>
+        </a:xfrm>
+      </p:grpSpPr>
+      <p:sp>
+        <p:nvSpPr>
+          <p:cNvPr id="2" name="Title 1"/>
+          <p:cNvSpPr>
+            <a:spLocks noGrp="1"/>
+          </p:cNvSpPr>
+          <p:nvPr>
+            <p:ph type="title"/>
+          </p:nvPr>
+        </p:nvSpPr>
+        <p:spPr>
+          <a:xfrm>
             <a:off x="6757429" y="581002"/>
             <a:ext cx="4714874" cy="1293028"/>
           </a:xfrm>
@@ -6322,7 +6452,7 @@
 </p:sld>
 </file>
 
-<file path=ppt/slides/slide7.xml><?xml version="1.0" encoding="utf-8"?>
+<file path=ppt/slides/slide8.xml><?xml version="1.0" encoding="utf-8"?>
 <p:sld xmlns:a="http://schemas.openxmlformats.org/drawingml/2006/main" xmlns:r="http://schemas.openxmlformats.org/officeDocument/2006/relationships" xmlns:p="http://schemas.openxmlformats.org/presentationml/2006/main">
   <p:cSld>
     <p:spTree>

--- a/Accelerate Delaware.pptx
+++ b/Accelerate Delaware.pptx
@@ -5805,8 +5805,13 @@
             <a:pPr lvl="1"/>
             <a:r>
               <a:rPr lang="en-US" dirty="0" smtClean="0"/>
-              <a:t>Profile for event organizations</a:t>
-            </a:r>
+              <a:t>Profile for </a:t>
+            </a:r>
+            <a:r>
+              <a:rPr lang="en-US" smtClean="0"/>
+              <a:t>event organizers</a:t>
+            </a:r>
+            <a:endParaRPr lang="en-US" dirty="0" smtClean="0"/>
           </a:p>
           <a:p>
             <a:endParaRPr lang="en-US" dirty="0" smtClean="0"/>
